--- a/lectures/16.1/16.1.pptx
+++ b/lectures/16.1/16.1.pptx
@@ -5,7 +5,7 @@
     <p:sldMasterId id="2147483648" r:id="rId1"/>
   </p:sldMasterIdLst>
   <p:notesMasterIdLst>
-    <p:notesMasterId r:id="rId9"/>
+    <p:notesMasterId r:id="rId10"/>
   </p:notesMasterIdLst>
   <p:sldIdLst>
     <p:sldId id="256" r:id="rId2"/>
@@ -13,8 +13,9 @@
     <p:sldId id="279" r:id="rId4"/>
     <p:sldId id="280" r:id="rId5"/>
     <p:sldId id="281" r:id="rId6"/>
-    <p:sldId id="282" r:id="rId7"/>
-    <p:sldId id="283" r:id="rId8"/>
+    <p:sldId id="284" r:id="rId7"/>
+    <p:sldId id="285" r:id="rId8"/>
+    <p:sldId id="282" r:id="rId9"/>
   </p:sldIdLst>
   <p:sldSz cx="12192000" cy="6858000"/>
   <p:notesSz cx="6858000" cy="9144000"/>
@@ -203,7 +204,7 @@
           <a:p>
             <a:fld id="{248031C6-E4B0-0444-A4A8-9CCE96EC2C9C}" type="datetimeFigureOut">
               <a:rPr lang="en-GB" smtClean="0"/>
-              <a:t>06/01/2019</a:t>
+              <a:t>08/01/2019</a:t>
             </a:fld>
             <a:endParaRPr lang="en-GB"/>
           </a:p>
@@ -620,7 +621,7 @@
           <a:p>
             <a:fld id="{66665395-52C5-5E4B-BB20-CD4E0BBC9899}" type="datetimeFigureOut">
               <a:rPr lang="en-GB" smtClean="0"/>
-              <a:t>06/01/2019</a:t>
+              <a:t>08/01/2019</a:t>
             </a:fld>
             <a:endParaRPr lang="en-GB"/>
           </a:p>
@@ -820,7 +821,7 @@
           <a:p>
             <a:fld id="{66665395-52C5-5E4B-BB20-CD4E0BBC9899}" type="datetimeFigureOut">
               <a:rPr lang="en-GB" smtClean="0"/>
-              <a:t>06/01/2019</a:t>
+              <a:t>08/01/2019</a:t>
             </a:fld>
             <a:endParaRPr lang="en-GB"/>
           </a:p>
@@ -1030,7 +1031,7 @@
           <a:p>
             <a:fld id="{66665395-52C5-5E4B-BB20-CD4E0BBC9899}" type="datetimeFigureOut">
               <a:rPr lang="en-GB" smtClean="0"/>
-              <a:t>06/01/2019</a:t>
+              <a:t>08/01/2019</a:t>
             </a:fld>
             <a:endParaRPr lang="en-GB"/>
           </a:p>
@@ -1230,7 +1231,7 @@
           <a:p>
             <a:fld id="{66665395-52C5-5E4B-BB20-CD4E0BBC9899}" type="datetimeFigureOut">
               <a:rPr lang="en-GB" smtClean="0"/>
-              <a:t>06/01/2019</a:t>
+              <a:t>08/01/2019</a:t>
             </a:fld>
             <a:endParaRPr lang="en-GB"/>
           </a:p>
@@ -1506,7 +1507,7 @@
           <a:p>
             <a:fld id="{66665395-52C5-5E4B-BB20-CD4E0BBC9899}" type="datetimeFigureOut">
               <a:rPr lang="en-GB" smtClean="0"/>
-              <a:t>06/01/2019</a:t>
+              <a:t>08/01/2019</a:t>
             </a:fld>
             <a:endParaRPr lang="en-GB"/>
           </a:p>
@@ -1774,7 +1775,7 @@
           <a:p>
             <a:fld id="{66665395-52C5-5E4B-BB20-CD4E0BBC9899}" type="datetimeFigureOut">
               <a:rPr lang="en-GB" smtClean="0"/>
-              <a:t>06/01/2019</a:t>
+              <a:t>08/01/2019</a:t>
             </a:fld>
             <a:endParaRPr lang="en-GB"/>
           </a:p>
@@ -2189,7 +2190,7 @@
           <a:p>
             <a:fld id="{66665395-52C5-5E4B-BB20-CD4E0BBC9899}" type="datetimeFigureOut">
               <a:rPr lang="en-GB" smtClean="0"/>
-              <a:t>06/01/2019</a:t>
+              <a:t>08/01/2019</a:t>
             </a:fld>
             <a:endParaRPr lang="en-GB"/>
           </a:p>
@@ -2331,7 +2332,7 @@
           <a:p>
             <a:fld id="{66665395-52C5-5E4B-BB20-CD4E0BBC9899}" type="datetimeFigureOut">
               <a:rPr lang="en-GB" smtClean="0"/>
-              <a:t>06/01/2019</a:t>
+              <a:t>08/01/2019</a:t>
             </a:fld>
             <a:endParaRPr lang="en-GB"/>
           </a:p>
@@ -2444,7 +2445,7 @@
           <a:p>
             <a:fld id="{66665395-52C5-5E4B-BB20-CD4E0BBC9899}" type="datetimeFigureOut">
               <a:rPr lang="en-GB" smtClean="0"/>
-              <a:t>06/01/2019</a:t>
+              <a:t>08/01/2019</a:t>
             </a:fld>
             <a:endParaRPr lang="en-GB"/>
           </a:p>
@@ -2757,7 +2758,7 @@
           <a:p>
             <a:fld id="{66665395-52C5-5E4B-BB20-CD4E0BBC9899}" type="datetimeFigureOut">
               <a:rPr lang="en-GB" smtClean="0"/>
-              <a:t>06/01/2019</a:t>
+              <a:t>08/01/2019</a:t>
             </a:fld>
             <a:endParaRPr lang="en-GB"/>
           </a:p>
@@ -3046,7 +3047,7 @@
           <a:p>
             <a:fld id="{66665395-52C5-5E4B-BB20-CD4E0BBC9899}" type="datetimeFigureOut">
               <a:rPr lang="en-GB" smtClean="0"/>
-              <a:t>06/01/2019</a:t>
+              <a:t>08/01/2019</a:t>
             </a:fld>
             <a:endParaRPr lang="en-GB"/>
           </a:p>
@@ -3289,7 +3290,7 @@
           <a:p>
             <a:fld id="{66665395-52C5-5E4B-BB20-CD4E0BBC9899}" type="datetimeFigureOut">
               <a:rPr lang="en-GB" smtClean="0"/>
-              <a:t>06/01/2019</a:t>
+              <a:t>08/01/2019</a:t>
             </a:fld>
             <a:endParaRPr lang="en-GB"/>
           </a:p>
@@ -6387,7 +6388,7 @@
           <p:cNvPr id="2" name="Title 1">
             <a:extLst>
               <a:ext uri="{FF2B5EF4-FFF2-40B4-BE49-F238E27FC236}">
-                <a16:creationId xmlns:a16="http://schemas.microsoft.com/office/drawing/2014/main" id="{178E6A88-39B4-BB47-85BC-EA591449AB57}"/>
+                <a16:creationId xmlns:a16="http://schemas.microsoft.com/office/drawing/2014/main" id="{69ABB539-5D45-DA40-8C7E-084DC135655C}"/>
               </a:ext>
             </a:extLst>
           </p:cNvPr>
@@ -6405,7 +6406,7 @@
           <a:p>
             <a:r>
               <a:rPr lang="en-GB" dirty="0" err="1"/>
-              <a:t>Spørgsmål</a:t>
+              <a:t>Hvad</a:t>
             </a:r>
             <a:r>
               <a:rPr lang="en-GB" dirty="0"/>
@@ -6413,19 +6414,104 @@
             </a:r>
             <a:r>
               <a:rPr lang="en-GB" dirty="0" err="1"/>
-              <a:t>til</a:t>
-            </a:r>
-            <a:r>
-              <a:rPr lang="en-GB" dirty="0"/>
-              <a:t> </a:t>
-            </a:r>
-            <a:r>
-              <a:rPr lang="en-GB" dirty="0" err="1"/>
-              <a:t>koden</a:t>
+              <a:t>gør</a:t>
             </a:r>
             <a:r>
               <a:rPr lang="en-GB" dirty="0"/>
               <a:t>?</a:t>
+            </a:r>
+          </a:p>
+        </p:txBody>
+      </p:sp>
+      <p:sp>
+        <p:nvSpPr>
+          <p:cNvPr id="4" name="TextBox 3">
+            <a:extLst>
+              <a:ext uri="{FF2B5EF4-FFF2-40B4-BE49-F238E27FC236}">
+                <a16:creationId xmlns:a16="http://schemas.microsoft.com/office/drawing/2014/main" id="{7E56F9AD-6E15-D14C-913D-57D357CA390D}"/>
+              </a:ext>
+            </a:extLst>
+          </p:cNvPr>
+          <p:cNvSpPr txBox="1"/>
+          <p:nvPr/>
+        </p:nvSpPr>
+        <p:spPr>
+          <a:xfrm>
+            <a:off x="271849" y="2013767"/>
+            <a:ext cx="11590637" cy="646331"/>
+          </a:xfrm>
+          <a:prstGeom prst="rect">
+            <a:avLst/>
+          </a:prstGeom>
+          <a:noFill/>
+        </p:spPr>
+        <p:txBody>
+          <a:bodyPr wrap="square" rtlCol="0">
+            <a:spAutoFit/>
+          </a:bodyPr>
+          <a:lstStyle/>
+          <a:p>
+            <a:r>
+              <a:rPr lang="en" dirty="0">
+                <a:latin typeface="Courier" pitchFamily="2" charset="0"/>
+              </a:rPr>
+              <a:t> member </a:t>
+            </a:r>
+            <a:r>
+              <a:rPr lang="en" dirty="0" err="1">
+                <a:latin typeface="Courier" pitchFamily="2" charset="0"/>
+              </a:rPr>
+              <a:t>this.availableMoves</a:t>
+            </a:r>
+            <a:r>
+              <a:rPr lang="en" dirty="0">
+                <a:latin typeface="Courier" pitchFamily="2" charset="0"/>
+              </a:rPr>
+              <a:t> (board : Board) : (Position list * </a:t>
+            </a:r>
+            <a:r>
+              <a:rPr lang="en" dirty="0" err="1">
+                <a:latin typeface="Courier" pitchFamily="2" charset="0"/>
+              </a:rPr>
+              <a:t>chessPiece</a:t>
+            </a:r>
+            <a:r>
+              <a:rPr lang="en" dirty="0">
+                <a:latin typeface="Courier" pitchFamily="2" charset="0"/>
+              </a:rPr>
+              <a:t> list) =</a:t>
+            </a:r>
+          </a:p>
+          <a:p>
+            <a:r>
+              <a:rPr lang="en" dirty="0">
+                <a:latin typeface="Courier" pitchFamily="2" charset="0"/>
+              </a:rPr>
+              <a:t>    </a:t>
+            </a:r>
+            <a:r>
+              <a:rPr lang="en" dirty="0" err="1">
+                <a:latin typeface="Courier" pitchFamily="2" charset="0"/>
+              </a:rPr>
+              <a:t>board.getVacantNNeighbours</a:t>
+            </a:r>
+            <a:r>
+              <a:rPr lang="en" dirty="0">
+                <a:latin typeface="Courier" pitchFamily="2" charset="0"/>
+              </a:rPr>
+              <a:t> this (*//§\label{</a:t>
+            </a:r>
+            <a:r>
+              <a:rPr lang="en" dirty="0" err="1">
+                <a:latin typeface="Courier" pitchFamily="2" charset="0"/>
+              </a:rPr>
+              <a:t>chessPieceEnd</a:t>
+            </a:r>
+            <a:r>
+              <a:rPr lang="en" dirty="0">
+                <a:latin typeface="Courier" pitchFamily="2" charset="0"/>
+              </a:rPr>
+              <a:t>}§*)</a:t>
             </a:r>
           </a:p>
         </p:txBody>
@@ -6433,7 +6519,7 @@
     </p:spTree>
     <p:extLst>
       <p:ext uri="{BB962C8B-B14F-4D97-AF65-F5344CB8AC3E}">
-        <p14:creationId xmlns:p14="http://schemas.microsoft.com/office/powerpoint/2010/main" val="2561859032"/>
+        <p14:creationId xmlns:p14="http://schemas.microsoft.com/office/powerpoint/2010/main" val="3725843583"/>
       </p:ext>
     </p:extLst>
   </p:cSld>
@@ -6465,7 +6551,7 @@
           <p:cNvPr id="2" name="Title 1">
             <a:extLst>
               <a:ext uri="{FF2B5EF4-FFF2-40B4-BE49-F238E27FC236}">
-                <a16:creationId xmlns:a16="http://schemas.microsoft.com/office/drawing/2014/main" id="{178E6A88-39B4-BB47-85BC-EA591449AB57}"/>
+                <a16:creationId xmlns:a16="http://schemas.microsoft.com/office/drawing/2014/main" id="{69ABB539-5D45-DA40-8C7E-084DC135655C}"/>
               </a:ext>
             </a:extLst>
           </p:cNvPr>
@@ -6476,79 +6562,46 @@
             <p:ph type="title"/>
           </p:nvPr>
         </p:nvSpPr>
+        <p:spPr/>
+        <p:txBody>
+          <a:bodyPr/>
+          <a:lstStyle/>
+          <a:p>
+            <a:r>
+              <a:rPr lang="en-GB" dirty="0" err="1"/>
+              <a:t>Hvad</a:t>
+            </a:r>
+            <a:r>
+              <a:rPr lang="en-GB" dirty="0"/>
+              <a:t> </a:t>
+            </a:r>
+            <a:r>
+              <a:rPr lang="en-GB" dirty="0" err="1"/>
+              <a:t>gør</a:t>
+            </a:r>
+            <a:r>
+              <a:rPr lang="en-GB" dirty="0"/>
+              <a:t>?</a:t>
+            </a:r>
+          </a:p>
+        </p:txBody>
+      </p:sp>
+      <p:sp>
+        <p:nvSpPr>
+          <p:cNvPr id="5" name="TextBox 4">
+            <a:extLst>
+              <a:ext uri="{FF2B5EF4-FFF2-40B4-BE49-F238E27FC236}">
+                <a16:creationId xmlns:a16="http://schemas.microsoft.com/office/drawing/2014/main" id="{B09C7839-DB79-2B4A-9A60-6F7C465869AF}"/>
+              </a:ext>
+            </a:extLst>
+          </p:cNvPr>
+          <p:cNvSpPr txBox="1"/>
+          <p:nvPr/>
+        </p:nvSpPr>
         <p:spPr>
           <a:xfrm>
-            <a:off x="806115" y="365127"/>
-            <a:ext cx="10792327" cy="1325563"/>
-          </a:xfrm>
-        </p:spPr>
-        <p:txBody>
-          <a:bodyPr/>
-          <a:lstStyle/>
-          <a:p>
-            <a:r>
-              <a:rPr lang="en-GB" dirty="0"/>
-              <a:t>Design </a:t>
-            </a:r>
-            <a:r>
-              <a:rPr lang="en-GB" dirty="0" err="1"/>
-              <a:t>en</a:t>
-            </a:r>
-            <a:r>
-              <a:rPr lang="en-GB" dirty="0"/>
-              <a:t> </a:t>
-            </a:r>
-            <a:r>
-              <a:rPr lang="en-GB" dirty="0" err="1"/>
-              <a:t>objektorienteret</a:t>
-            </a:r>
-            <a:r>
-              <a:rPr lang="en-GB" dirty="0"/>
-              <a:t> </a:t>
-            </a:r>
-            <a:r>
-              <a:rPr lang="en-GB" dirty="0" err="1"/>
-              <a:t>løsning</a:t>
-            </a:r>
-            <a:r>
-              <a:rPr lang="en-GB" dirty="0"/>
-              <a:t> </a:t>
-            </a:r>
-            <a:r>
-              <a:rPr lang="en-GB" dirty="0" err="1"/>
-              <a:t>til</a:t>
-            </a:r>
-            <a:r>
-              <a:rPr lang="en-GB" dirty="0"/>
-              <a:t> </a:t>
-            </a:r>
-            <a:r>
-              <a:rPr lang="en-GB" dirty="0" err="1"/>
-              <a:t>følgende</a:t>
-            </a:r>
-            <a:r>
-              <a:rPr lang="en-GB" dirty="0"/>
-              <a:t>:</a:t>
-            </a:r>
-          </a:p>
-        </p:txBody>
-      </p:sp>
-      <p:sp>
-        <p:nvSpPr>
-          <p:cNvPr id="3" name="TextBox 2">
-            <a:extLst>
-              <a:ext uri="{FF2B5EF4-FFF2-40B4-BE49-F238E27FC236}">
-                <a16:creationId xmlns:a16="http://schemas.microsoft.com/office/drawing/2014/main" id="{15C85D87-2921-D642-8A98-E223FECEDDB4}"/>
-              </a:ext>
-            </a:extLst>
-          </p:cNvPr>
-          <p:cNvSpPr txBox="1"/>
-          <p:nvPr/>
-        </p:nvSpPr>
-        <p:spPr>
-          <a:xfrm>
-            <a:off x="838199" y="2105362"/>
-            <a:ext cx="10515601" cy="2585323"/>
+            <a:off x="296562" y="1647182"/>
+            <a:ext cx="11590637" cy="4801314"/>
           </a:xfrm>
           <a:prstGeom prst="rect">
             <a:avLst/>
@@ -6562,71 +6615,589 @@
           <a:lstStyle/>
           <a:p>
             <a:r>
-              <a:rPr lang="da-DK" dirty="0"/>
-              <a:t>En online auktion er et offentligt salg af f.eks. ting eller tjenesteydelser til højstbydende på nettet. Auktionen forestås auktionarius, som er en betroet mellemmand eller system. Auktionarius modtager varen til salg fra sælger, udstiller varen, modtager bud fra køber, og afgør vinderen. </a:t>
-            </a:r>
-          </a:p>
-          <a:p>
-            <a:r>
-              <a:rPr lang="da-DK" dirty="0"/>
-              <a:t> </a:t>
-            </a:r>
-          </a:p>
-          <a:p>
-            <a:r>
-              <a:rPr lang="da-DK" dirty="0"/>
-              <a:t>En typisk auktion vil bestå af en udstillingsperiode for et antal vare, og dernæst et købsvindue, hvor købere kan byde på en bestemt vare. Køberne kan se hinandens bud, og den, som indenfor købsvinduet har budt højest, har købt produktet. Køber betaler det budte beløb til sælger, og et auktionssalær til auktionarius samt moms til staten.</a:t>
-            </a:r>
-          </a:p>
-          <a:p>
-            <a:endParaRPr lang="en-GB" dirty="0"/>
-          </a:p>
-        </p:txBody>
-      </p:sp>
-      <p:sp>
-        <p:nvSpPr>
-          <p:cNvPr id="5" name="TextBox 4">
-            <a:extLst>
-              <a:ext uri="{FF2B5EF4-FFF2-40B4-BE49-F238E27FC236}">
-                <a16:creationId xmlns:a16="http://schemas.microsoft.com/office/drawing/2014/main" id="{010CBFF9-5C96-A04C-9EA7-F41C2276468D}"/>
-              </a:ext>
-            </a:extLst>
-          </p:cNvPr>
-          <p:cNvSpPr txBox="1"/>
-          <p:nvPr/>
-        </p:nvSpPr>
-        <p:spPr>
-          <a:xfrm>
-            <a:off x="838199" y="1506024"/>
-            <a:ext cx="3285643" cy="461665"/>
-          </a:xfrm>
-          <a:prstGeom prst="rect">
-            <a:avLst/>
-          </a:prstGeom>
-          <a:noFill/>
-        </p:spPr>
-        <p:txBody>
-          <a:bodyPr wrap="none" rtlCol="0">
-            <a:spAutoFit/>
-          </a:bodyPr>
-          <a:lstStyle/>
-          <a:p>
-            <a:r>
-              <a:rPr lang="da-DK" sz="2400" dirty="0" err="1"/>
-              <a:t>Use</a:t>
-            </a:r>
-            <a:r>
-              <a:rPr lang="da-DK" sz="2400" dirty="0"/>
-              <a:t>-case: Online auktion</a:t>
-            </a:r>
-            <a:endParaRPr lang="en-GB" sz="2400" dirty="0"/>
+              <a:rPr lang="da-DK" dirty="0">
+                <a:latin typeface="Courier" pitchFamily="2" charset="0"/>
+              </a:rPr>
+              <a:t> </a:t>
+            </a:r>
+            <a:r>
+              <a:rPr lang="da-DK" dirty="0" err="1">
+                <a:latin typeface="Courier" pitchFamily="2" charset="0"/>
+              </a:rPr>
+              <a:t>member</a:t>
+            </a:r>
+            <a:r>
+              <a:rPr lang="da-DK" dirty="0">
+                <a:latin typeface="Courier" pitchFamily="2" charset="0"/>
+              </a:rPr>
+              <a:t> </a:t>
+            </a:r>
+            <a:r>
+              <a:rPr lang="da-DK" dirty="0" err="1">
+                <a:latin typeface="Courier" pitchFamily="2" charset="0"/>
+              </a:rPr>
+              <a:t>this.getVacantNNeighbours</a:t>
+            </a:r>
+            <a:r>
+              <a:rPr lang="da-DK" dirty="0">
+                <a:latin typeface="Courier" pitchFamily="2" charset="0"/>
+              </a:rPr>
+              <a:t> (</a:t>
+            </a:r>
+            <a:r>
+              <a:rPr lang="da-DK" dirty="0" err="1">
+                <a:latin typeface="Courier" pitchFamily="2" charset="0"/>
+              </a:rPr>
+              <a:t>piece</a:t>
+            </a:r>
+            <a:r>
+              <a:rPr lang="da-DK" dirty="0">
+                <a:latin typeface="Courier" pitchFamily="2" charset="0"/>
+              </a:rPr>
+              <a:t> : </a:t>
+            </a:r>
+            <a:r>
+              <a:rPr lang="da-DK" dirty="0" err="1">
+                <a:latin typeface="Courier" pitchFamily="2" charset="0"/>
+              </a:rPr>
+              <a:t>chessPiece</a:t>
+            </a:r>
+            <a:r>
+              <a:rPr lang="da-DK" dirty="0">
+                <a:latin typeface="Courier" pitchFamily="2" charset="0"/>
+              </a:rPr>
+              <a:t>) : (Position list * </a:t>
+            </a:r>
+            <a:r>
+              <a:rPr lang="da-DK" dirty="0" err="1">
+                <a:latin typeface="Courier" pitchFamily="2" charset="0"/>
+              </a:rPr>
+              <a:t>chessPiece</a:t>
+            </a:r>
+            <a:r>
+              <a:rPr lang="da-DK" dirty="0">
+                <a:latin typeface="Courier" pitchFamily="2" charset="0"/>
+              </a:rPr>
+              <a:t> list)  =</a:t>
+            </a:r>
+          </a:p>
+          <a:p>
+            <a:r>
+              <a:rPr lang="da-DK" dirty="0">
+                <a:latin typeface="Courier" pitchFamily="2" charset="0"/>
+              </a:rPr>
+              <a:t>    match </a:t>
+            </a:r>
+            <a:r>
+              <a:rPr lang="da-DK" dirty="0" err="1">
+                <a:latin typeface="Courier" pitchFamily="2" charset="0"/>
+              </a:rPr>
+              <a:t>piece.position</a:t>
+            </a:r>
+            <a:r>
+              <a:rPr lang="da-DK" dirty="0">
+                <a:latin typeface="Courier" pitchFamily="2" charset="0"/>
+              </a:rPr>
+              <a:t> with</a:t>
+            </a:r>
+          </a:p>
+          <a:p>
+            <a:r>
+              <a:rPr lang="da-DK" dirty="0">
+                <a:latin typeface="Courier" pitchFamily="2" charset="0"/>
+              </a:rPr>
+              <a:t>      None -&gt; </a:t>
+            </a:r>
+          </a:p>
+          <a:p>
+            <a:r>
+              <a:rPr lang="da-DK" dirty="0">
+                <a:latin typeface="Courier" pitchFamily="2" charset="0"/>
+              </a:rPr>
+              <a:t>        ([],[])</a:t>
+            </a:r>
+          </a:p>
+          <a:p>
+            <a:r>
+              <a:rPr lang="da-DK" dirty="0">
+                <a:latin typeface="Courier" pitchFamily="2" charset="0"/>
+              </a:rPr>
+              <a:t>      | </a:t>
+            </a:r>
+            <a:r>
+              <a:rPr lang="da-DK" dirty="0" err="1">
+                <a:latin typeface="Courier" pitchFamily="2" charset="0"/>
+              </a:rPr>
+              <a:t>Some</a:t>
+            </a:r>
+            <a:r>
+              <a:rPr lang="da-DK" dirty="0">
+                <a:latin typeface="Courier" pitchFamily="2" charset="0"/>
+              </a:rPr>
+              <a:t> p -&gt;</a:t>
+            </a:r>
+          </a:p>
+          <a:p>
+            <a:r>
+              <a:rPr lang="da-DK" dirty="0">
+                <a:latin typeface="Courier" pitchFamily="2" charset="0"/>
+              </a:rPr>
+              <a:t>        let </a:t>
+            </a:r>
+            <a:r>
+              <a:rPr lang="da-DK" dirty="0" err="1">
+                <a:latin typeface="Courier" pitchFamily="2" charset="0"/>
+              </a:rPr>
+              <a:t>convertNWrap</a:t>
+            </a:r>
+            <a:r>
+              <a:rPr lang="da-DK" dirty="0">
+                <a:latin typeface="Courier" pitchFamily="2" charset="0"/>
+              </a:rPr>
+              <a:t> = </a:t>
+            </a:r>
+          </a:p>
+          <a:p>
+            <a:r>
+              <a:rPr lang="da-DK" dirty="0">
+                <a:latin typeface="Courier" pitchFamily="2" charset="0"/>
+              </a:rPr>
+              <a:t>          (</a:t>
+            </a:r>
+            <a:r>
+              <a:rPr lang="da-DK" dirty="0" err="1">
+                <a:latin typeface="Courier" pitchFamily="2" charset="0"/>
+              </a:rPr>
+              <a:t>relativeToAbsolute</a:t>
+            </a:r>
+            <a:r>
+              <a:rPr lang="da-DK" dirty="0">
+                <a:latin typeface="Courier" pitchFamily="2" charset="0"/>
+              </a:rPr>
+              <a:t> p) &gt;&gt; </a:t>
+            </a:r>
+            <a:r>
+              <a:rPr lang="da-DK" dirty="0" err="1">
+                <a:latin typeface="Courier" pitchFamily="2" charset="0"/>
+              </a:rPr>
+              <a:t>this.getVacantNOccupied</a:t>
+            </a:r>
+            <a:endParaRPr lang="da-DK" dirty="0">
+              <a:latin typeface="Courier" pitchFamily="2" charset="0"/>
+            </a:endParaRPr>
+          </a:p>
+          <a:p>
+            <a:r>
+              <a:rPr lang="da-DK" dirty="0">
+                <a:latin typeface="Courier" pitchFamily="2" charset="0"/>
+              </a:rPr>
+              <a:t>        let </a:t>
+            </a:r>
+            <a:r>
+              <a:rPr lang="da-DK" dirty="0" err="1">
+                <a:latin typeface="Courier" pitchFamily="2" charset="0"/>
+              </a:rPr>
+              <a:t>vacantPieceLists</a:t>
+            </a:r>
+            <a:r>
+              <a:rPr lang="da-DK" dirty="0">
+                <a:latin typeface="Courier" pitchFamily="2" charset="0"/>
+              </a:rPr>
+              <a:t> = </a:t>
+            </a:r>
+            <a:r>
+              <a:rPr lang="da-DK" dirty="0" err="1">
+                <a:latin typeface="Courier" pitchFamily="2" charset="0"/>
+              </a:rPr>
+              <a:t>List.map</a:t>
+            </a:r>
+            <a:r>
+              <a:rPr lang="da-DK" dirty="0">
+                <a:latin typeface="Courier" pitchFamily="2" charset="0"/>
+              </a:rPr>
+              <a:t> </a:t>
+            </a:r>
+            <a:r>
+              <a:rPr lang="da-DK" dirty="0" err="1">
+                <a:latin typeface="Courier" pitchFamily="2" charset="0"/>
+              </a:rPr>
+              <a:t>convertNWrap</a:t>
+            </a:r>
+            <a:r>
+              <a:rPr lang="da-DK" dirty="0">
+                <a:latin typeface="Courier" pitchFamily="2" charset="0"/>
+              </a:rPr>
+              <a:t> </a:t>
+            </a:r>
+            <a:r>
+              <a:rPr lang="da-DK" dirty="0" err="1">
+                <a:latin typeface="Courier" pitchFamily="2" charset="0"/>
+              </a:rPr>
+              <a:t>piece.candiateRelativeMoves</a:t>
+            </a:r>
+            <a:endParaRPr lang="da-DK" dirty="0">
+              <a:latin typeface="Courier" pitchFamily="2" charset="0"/>
+            </a:endParaRPr>
+          </a:p>
+          <a:p>
+            <a:r>
+              <a:rPr lang="da-DK" dirty="0">
+                <a:latin typeface="Courier" pitchFamily="2" charset="0"/>
+              </a:rPr>
+              <a:t>        // </a:t>
+            </a:r>
+            <a:r>
+              <a:rPr lang="da-DK" dirty="0" err="1">
+                <a:latin typeface="Courier" pitchFamily="2" charset="0"/>
+              </a:rPr>
+              <a:t>Extract</a:t>
+            </a:r>
+            <a:r>
+              <a:rPr lang="da-DK" dirty="0">
+                <a:latin typeface="Courier" pitchFamily="2" charset="0"/>
+              </a:rPr>
+              <a:t> and </a:t>
+            </a:r>
+            <a:r>
+              <a:rPr lang="da-DK" dirty="0" err="1">
+                <a:latin typeface="Courier" pitchFamily="2" charset="0"/>
+              </a:rPr>
+              <a:t>merge</a:t>
+            </a:r>
+            <a:r>
+              <a:rPr lang="da-DK" dirty="0">
+                <a:latin typeface="Courier" pitchFamily="2" charset="0"/>
+              </a:rPr>
+              <a:t> lists of </a:t>
+            </a:r>
+            <a:r>
+              <a:rPr lang="da-DK" dirty="0" err="1">
+                <a:latin typeface="Courier" pitchFamily="2" charset="0"/>
+              </a:rPr>
+              <a:t>vacant</a:t>
+            </a:r>
+            <a:r>
+              <a:rPr lang="da-DK" dirty="0">
+                <a:latin typeface="Courier" pitchFamily="2" charset="0"/>
+              </a:rPr>
+              <a:t> </a:t>
+            </a:r>
+            <a:r>
+              <a:rPr lang="da-DK" dirty="0" err="1">
+                <a:latin typeface="Courier" pitchFamily="2" charset="0"/>
+              </a:rPr>
+              <a:t>squares</a:t>
+            </a:r>
+            <a:endParaRPr lang="da-DK" dirty="0">
+              <a:latin typeface="Courier" pitchFamily="2" charset="0"/>
+            </a:endParaRPr>
+          </a:p>
+          <a:p>
+            <a:r>
+              <a:rPr lang="da-DK" dirty="0">
+                <a:latin typeface="Courier" pitchFamily="2" charset="0"/>
+              </a:rPr>
+              <a:t>        let </a:t>
+            </a:r>
+            <a:r>
+              <a:rPr lang="da-DK" dirty="0" err="1">
+                <a:latin typeface="Courier" pitchFamily="2" charset="0"/>
+              </a:rPr>
+              <a:t>vacant</a:t>
+            </a:r>
+            <a:r>
+              <a:rPr lang="da-DK" dirty="0">
+                <a:latin typeface="Courier" pitchFamily="2" charset="0"/>
+              </a:rPr>
+              <a:t> = </a:t>
+            </a:r>
+            <a:r>
+              <a:rPr lang="da-DK" dirty="0" err="1">
+                <a:latin typeface="Courier" pitchFamily="2" charset="0"/>
+              </a:rPr>
+              <a:t>List.collect</a:t>
+            </a:r>
+            <a:r>
+              <a:rPr lang="da-DK" dirty="0">
+                <a:latin typeface="Courier" pitchFamily="2" charset="0"/>
+              </a:rPr>
+              <a:t> </a:t>
+            </a:r>
+            <a:r>
+              <a:rPr lang="da-DK" dirty="0" err="1">
+                <a:latin typeface="Courier" pitchFamily="2" charset="0"/>
+              </a:rPr>
+              <a:t>fst</a:t>
+            </a:r>
+            <a:r>
+              <a:rPr lang="da-DK" dirty="0">
+                <a:latin typeface="Courier" pitchFamily="2" charset="0"/>
+              </a:rPr>
+              <a:t> </a:t>
+            </a:r>
+            <a:r>
+              <a:rPr lang="da-DK" dirty="0" err="1">
+                <a:latin typeface="Courier" pitchFamily="2" charset="0"/>
+              </a:rPr>
+              <a:t>vacantPieceLists</a:t>
+            </a:r>
+            <a:endParaRPr lang="da-DK" dirty="0">
+              <a:latin typeface="Courier" pitchFamily="2" charset="0"/>
+            </a:endParaRPr>
+          </a:p>
+          <a:p>
+            <a:r>
+              <a:rPr lang="da-DK" dirty="0">
+                <a:latin typeface="Courier" pitchFamily="2" charset="0"/>
+              </a:rPr>
+              <a:t>        // </a:t>
+            </a:r>
+            <a:r>
+              <a:rPr lang="da-DK" dirty="0" err="1">
+                <a:latin typeface="Courier" pitchFamily="2" charset="0"/>
+              </a:rPr>
+              <a:t>Extract</a:t>
+            </a:r>
+            <a:r>
+              <a:rPr lang="da-DK" dirty="0">
+                <a:latin typeface="Courier" pitchFamily="2" charset="0"/>
+              </a:rPr>
+              <a:t> and </a:t>
+            </a:r>
+            <a:r>
+              <a:rPr lang="da-DK" dirty="0" err="1">
+                <a:latin typeface="Courier" pitchFamily="2" charset="0"/>
+              </a:rPr>
+              <a:t>merge</a:t>
+            </a:r>
+            <a:r>
+              <a:rPr lang="da-DK" dirty="0">
+                <a:latin typeface="Courier" pitchFamily="2" charset="0"/>
+              </a:rPr>
+              <a:t> lists of </a:t>
+            </a:r>
+            <a:r>
+              <a:rPr lang="da-DK" dirty="0" err="1">
+                <a:latin typeface="Courier" pitchFamily="2" charset="0"/>
+              </a:rPr>
+              <a:t>first</a:t>
+            </a:r>
+            <a:r>
+              <a:rPr lang="da-DK" dirty="0">
+                <a:latin typeface="Courier" pitchFamily="2" charset="0"/>
+              </a:rPr>
+              <a:t> obstruction </a:t>
+            </a:r>
+            <a:r>
+              <a:rPr lang="da-DK" dirty="0" err="1">
+                <a:latin typeface="Courier" pitchFamily="2" charset="0"/>
+              </a:rPr>
+              <a:t>pieces</a:t>
+            </a:r>
+            <a:r>
+              <a:rPr lang="da-DK" dirty="0">
+                <a:latin typeface="Courier" pitchFamily="2" charset="0"/>
+              </a:rPr>
+              <a:t> and filter out </a:t>
+            </a:r>
+            <a:r>
+              <a:rPr lang="da-DK" dirty="0" err="1">
+                <a:latin typeface="Courier" pitchFamily="2" charset="0"/>
+              </a:rPr>
+              <a:t>own</a:t>
+            </a:r>
+            <a:r>
+              <a:rPr lang="da-DK" dirty="0">
+                <a:latin typeface="Courier" pitchFamily="2" charset="0"/>
+              </a:rPr>
+              <a:t> </a:t>
+            </a:r>
+            <a:r>
+              <a:rPr lang="da-DK" dirty="0" err="1">
+                <a:latin typeface="Courier" pitchFamily="2" charset="0"/>
+              </a:rPr>
+              <a:t>pieces</a:t>
+            </a:r>
+            <a:endParaRPr lang="da-DK" dirty="0">
+              <a:latin typeface="Courier" pitchFamily="2" charset="0"/>
+            </a:endParaRPr>
+          </a:p>
+          <a:p>
+            <a:r>
+              <a:rPr lang="da-DK" dirty="0">
+                <a:latin typeface="Courier" pitchFamily="2" charset="0"/>
+              </a:rPr>
+              <a:t>        let opponent = </a:t>
+            </a:r>
+          </a:p>
+          <a:p>
+            <a:r>
+              <a:rPr lang="da-DK" dirty="0">
+                <a:latin typeface="Courier" pitchFamily="2" charset="0"/>
+              </a:rPr>
+              <a:t>          </a:t>
+            </a:r>
+            <a:r>
+              <a:rPr lang="da-DK" dirty="0" err="1">
+                <a:latin typeface="Courier" pitchFamily="2" charset="0"/>
+              </a:rPr>
+              <a:t>vacantPieceLists</a:t>
+            </a:r>
+            <a:endParaRPr lang="da-DK" dirty="0">
+              <a:latin typeface="Courier" pitchFamily="2" charset="0"/>
+            </a:endParaRPr>
+          </a:p>
+          <a:p>
+            <a:r>
+              <a:rPr lang="da-DK" dirty="0">
+                <a:latin typeface="Courier" pitchFamily="2" charset="0"/>
+              </a:rPr>
+              <a:t>          |&gt; </a:t>
+            </a:r>
+            <a:r>
+              <a:rPr lang="da-DK" dirty="0" err="1">
+                <a:latin typeface="Courier" pitchFamily="2" charset="0"/>
+              </a:rPr>
+              <a:t>List.choose</a:t>
+            </a:r>
+            <a:r>
+              <a:rPr lang="da-DK" dirty="0">
+                <a:latin typeface="Courier" pitchFamily="2" charset="0"/>
+              </a:rPr>
+              <a:t> </a:t>
+            </a:r>
+            <a:r>
+              <a:rPr lang="da-DK" dirty="0" err="1">
+                <a:latin typeface="Courier" pitchFamily="2" charset="0"/>
+              </a:rPr>
+              <a:t>snd</a:t>
+            </a:r>
+            <a:r>
+              <a:rPr lang="da-DK" dirty="0">
+                <a:latin typeface="Courier" pitchFamily="2" charset="0"/>
+              </a:rPr>
+              <a:t> </a:t>
+            </a:r>
+          </a:p>
+          <a:p>
+            <a:r>
+              <a:rPr lang="da-DK" dirty="0">
+                <a:latin typeface="Courier" pitchFamily="2" charset="0"/>
+              </a:rPr>
+              <a:t>        (</a:t>
+            </a:r>
+            <a:r>
+              <a:rPr lang="da-DK" dirty="0" err="1">
+                <a:latin typeface="Courier" pitchFamily="2" charset="0"/>
+              </a:rPr>
+              <a:t>vacant</a:t>
+            </a:r>
+            <a:r>
+              <a:rPr lang="da-DK" dirty="0">
+                <a:latin typeface="Courier" pitchFamily="2" charset="0"/>
+              </a:rPr>
+              <a:t>, opponent)(*//§\label{</a:t>
+            </a:r>
+            <a:r>
+              <a:rPr lang="da-DK" dirty="0" err="1">
+                <a:latin typeface="Courier" pitchFamily="2" charset="0"/>
+              </a:rPr>
+              <a:t>chessBoardEnd</a:t>
+            </a:r>
+            <a:r>
+              <a:rPr lang="da-DK" dirty="0">
+                <a:latin typeface="Courier" pitchFamily="2" charset="0"/>
+              </a:rPr>
+              <a:t>}§*)</a:t>
+            </a:r>
+            <a:endParaRPr lang="en" dirty="0">
+              <a:latin typeface="Courier" pitchFamily="2" charset="0"/>
+            </a:endParaRPr>
           </a:p>
         </p:txBody>
       </p:sp>
     </p:spTree>
     <p:extLst>
       <p:ext uri="{BB962C8B-B14F-4D97-AF65-F5344CB8AC3E}">
-        <p14:creationId xmlns:p14="http://schemas.microsoft.com/office/powerpoint/2010/main" val="3717493238"/>
+        <p14:creationId xmlns:p14="http://schemas.microsoft.com/office/powerpoint/2010/main" val="2622417555"/>
+      </p:ext>
+    </p:extLst>
+  </p:cSld>
+  <p:clrMapOvr>
+    <a:masterClrMapping/>
+  </p:clrMapOvr>
+</p:sld>
+</file>
+
+<file path=ppt/slides/slide8.xml><?xml version="1.0" encoding="utf-8"?>
+<p:sld xmlns:a="http://schemas.openxmlformats.org/drawingml/2006/main" xmlns:r="http://schemas.openxmlformats.org/officeDocument/2006/relationships" xmlns:p="http://schemas.openxmlformats.org/presentationml/2006/main">
+  <p:cSld>
+    <p:spTree>
+      <p:nvGrpSpPr>
+        <p:cNvPr id="1" name=""/>
+        <p:cNvGrpSpPr/>
+        <p:nvPr/>
+      </p:nvGrpSpPr>
+      <p:grpSpPr>
+        <a:xfrm>
+          <a:off x="0" y="0"/>
+          <a:ext cx="0" cy="0"/>
+          <a:chOff x="0" y="0"/>
+          <a:chExt cx="0" cy="0"/>
+        </a:xfrm>
+      </p:grpSpPr>
+      <p:sp>
+        <p:nvSpPr>
+          <p:cNvPr id="2" name="Title 1">
+            <a:extLst>
+              <a:ext uri="{FF2B5EF4-FFF2-40B4-BE49-F238E27FC236}">
+                <a16:creationId xmlns:a16="http://schemas.microsoft.com/office/drawing/2014/main" id="{178E6A88-39B4-BB47-85BC-EA591449AB57}"/>
+              </a:ext>
+            </a:extLst>
+          </p:cNvPr>
+          <p:cNvSpPr>
+            <a:spLocks noGrp="1"/>
+          </p:cNvSpPr>
+          <p:nvPr>
+            <p:ph type="title"/>
+          </p:nvPr>
+        </p:nvSpPr>
+        <p:spPr/>
+        <p:txBody>
+          <a:bodyPr/>
+          <a:lstStyle/>
+          <a:p>
+            <a:r>
+              <a:rPr lang="en-GB" dirty="0" err="1"/>
+              <a:t>Spørgsmål</a:t>
+            </a:r>
+            <a:r>
+              <a:rPr lang="en-GB" dirty="0"/>
+              <a:t> </a:t>
+            </a:r>
+            <a:r>
+              <a:rPr lang="en-GB" dirty="0" err="1"/>
+              <a:t>til</a:t>
+            </a:r>
+            <a:r>
+              <a:rPr lang="en-GB" dirty="0"/>
+              <a:t> </a:t>
+            </a:r>
+            <a:r>
+              <a:rPr lang="en-GB" dirty="0" err="1"/>
+              <a:t>koden</a:t>
+            </a:r>
+            <a:r>
+              <a:rPr lang="en-GB" dirty="0"/>
+              <a:t>?</a:t>
+            </a:r>
+          </a:p>
+        </p:txBody>
+      </p:sp>
+    </p:spTree>
+    <p:extLst>
+      <p:ext uri="{BB962C8B-B14F-4D97-AF65-F5344CB8AC3E}">
+        <p14:creationId xmlns:p14="http://schemas.microsoft.com/office/powerpoint/2010/main" val="2561859032"/>
       </p:ext>
     </p:extLst>
   </p:cSld>
